--- a/Document/Dev Diary.pptx
+++ b/Document/Dev Diary.pptx
@@ -288,7 +288,7 @@
           <a:p>
             <a:fld id="{FB30EDBD-1C2D-4C1E-B459-B60219FAB484}" type="datetimeFigureOut">
               <a:rPr lang="ko-KR" altLang="en-US" smtClean="0"/>
-              <a:t>2016-06-29</a:t>
+              <a:t>2016-07-05</a:t>
             </a:fld>
             <a:endParaRPr lang="ko-KR" altLang="en-US"/>
           </a:p>
@@ -453,7 +453,7 @@
           <a:p>
             <a:fld id="{FB30EDBD-1C2D-4C1E-B459-B60219FAB484}" type="datetimeFigureOut">
               <a:rPr lang="ko-KR" altLang="en-US" smtClean="0"/>
-              <a:t>2016-06-29</a:t>
+              <a:t>2016-07-05</a:t>
             </a:fld>
             <a:endParaRPr lang="ko-KR" altLang="en-US"/>
           </a:p>
@@ -628,7 +628,7 @@
           <a:p>
             <a:fld id="{FB30EDBD-1C2D-4C1E-B459-B60219FAB484}" type="datetimeFigureOut">
               <a:rPr lang="ko-KR" altLang="en-US" smtClean="0"/>
-              <a:t>2016-06-29</a:t>
+              <a:t>2016-07-05</a:t>
             </a:fld>
             <a:endParaRPr lang="ko-KR" altLang="en-US"/>
           </a:p>
@@ -793,7 +793,7 @@
           <a:p>
             <a:fld id="{FB30EDBD-1C2D-4C1E-B459-B60219FAB484}" type="datetimeFigureOut">
               <a:rPr lang="ko-KR" altLang="en-US" smtClean="0"/>
-              <a:t>2016-06-29</a:t>
+              <a:t>2016-07-05</a:t>
             </a:fld>
             <a:endParaRPr lang="ko-KR" altLang="en-US"/>
           </a:p>
@@ -1034,7 +1034,7 @@
           <a:p>
             <a:fld id="{FB30EDBD-1C2D-4C1E-B459-B60219FAB484}" type="datetimeFigureOut">
               <a:rPr lang="ko-KR" altLang="en-US" smtClean="0"/>
-              <a:t>2016-06-29</a:t>
+              <a:t>2016-07-05</a:t>
             </a:fld>
             <a:endParaRPr lang="ko-KR" altLang="en-US"/>
           </a:p>
@@ -1317,7 +1317,7 @@
           <a:p>
             <a:fld id="{FB30EDBD-1C2D-4C1E-B459-B60219FAB484}" type="datetimeFigureOut">
               <a:rPr lang="ko-KR" altLang="en-US" smtClean="0"/>
-              <a:t>2016-06-29</a:t>
+              <a:t>2016-07-05</a:t>
             </a:fld>
             <a:endParaRPr lang="ko-KR" altLang="en-US"/>
           </a:p>
@@ -1734,7 +1734,7 @@
           <a:p>
             <a:fld id="{FB30EDBD-1C2D-4C1E-B459-B60219FAB484}" type="datetimeFigureOut">
               <a:rPr lang="ko-KR" altLang="en-US" smtClean="0"/>
-              <a:t>2016-06-29</a:t>
+              <a:t>2016-07-05</a:t>
             </a:fld>
             <a:endParaRPr lang="ko-KR" altLang="en-US"/>
           </a:p>
@@ -1847,7 +1847,7 @@
           <a:p>
             <a:fld id="{FB30EDBD-1C2D-4C1E-B459-B60219FAB484}" type="datetimeFigureOut">
               <a:rPr lang="ko-KR" altLang="en-US" smtClean="0"/>
-              <a:t>2016-06-29</a:t>
+              <a:t>2016-07-05</a:t>
             </a:fld>
             <a:endParaRPr lang="ko-KR" altLang="en-US"/>
           </a:p>
@@ -1937,7 +1937,7 @@
           <a:p>
             <a:fld id="{FB30EDBD-1C2D-4C1E-B459-B60219FAB484}" type="datetimeFigureOut">
               <a:rPr lang="ko-KR" altLang="en-US" smtClean="0"/>
-              <a:t>2016-06-29</a:t>
+              <a:t>2016-07-05</a:t>
             </a:fld>
             <a:endParaRPr lang="ko-KR" altLang="en-US"/>
           </a:p>
@@ -2209,7 +2209,7 @@
           <a:p>
             <a:fld id="{FB30EDBD-1C2D-4C1E-B459-B60219FAB484}" type="datetimeFigureOut">
               <a:rPr lang="ko-KR" altLang="en-US" smtClean="0"/>
-              <a:t>2016-06-29</a:t>
+              <a:t>2016-07-05</a:t>
             </a:fld>
             <a:endParaRPr lang="ko-KR" altLang="en-US"/>
           </a:p>
@@ -2457,7 +2457,7 @@
           <a:p>
             <a:fld id="{FB30EDBD-1C2D-4C1E-B459-B60219FAB484}" type="datetimeFigureOut">
               <a:rPr lang="ko-KR" altLang="en-US" smtClean="0"/>
-              <a:t>2016-06-29</a:t>
+              <a:t>2016-07-05</a:t>
             </a:fld>
             <a:endParaRPr lang="ko-KR" altLang="en-US"/>
           </a:p>
@@ -2665,7 +2665,7 @@
           <a:p>
             <a:fld id="{FB30EDBD-1C2D-4C1E-B459-B60219FAB484}" type="datetimeFigureOut">
               <a:rPr lang="ko-KR" altLang="en-US" smtClean="0"/>
-              <a:t>2016-06-29</a:t>
+              <a:t>2016-07-05</a:t>
             </a:fld>
             <a:endParaRPr lang="ko-KR" altLang="en-US"/>
           </a:p>
@@ -3073,7 +3073,7 @@
         </p:nvSpPr>
         <p:spPr>
           <a:xfrm>
-            <a:off x="1475656" y="1340768"/>
+            <a:off x="510037" y="1340768"/>
             <a:ext cx="3312368" cy="3096344"/>
           </a:xfrm>
           <a:prstGeom prst="rect">
@@ -3101,7 +3101,7 @@
           <a:lstStyle/>
           <a:p>
             <a:pPr algn="ctr"/>
-            <a:endParaRPr lang="ko-KR" altLang="en-US"/>
+            <a:endParaRPr lang="ko-KR" altLang="en-US" dirty="0"/>
           </a:p>
         </p:txBody>
       </p:sp>
@@ -3217,6 +3217,14 @@
           <a:lstStyle/>
           <a:p>
             <a:pPr algn="ctr"/>
+            <a:r>
+              <a:rPr lang="ko-KR" altLang="en-US" smtClean="0"/>
+              <a:t>홍길</a:t>
+            </a:r>
+            <a:r>
+              <a:rPr lang="ko-KR" altLang="en-US"/>
+              <a:t>동</a:t>
+            </a:r>
             <a:endParaRPr lang="ko-KR" altLang="en-US"/>
           </a:p>
         </p:txBody>
